--- a/스토리보드.pptx
+++ b/스토리보드.pptx
@@ -3141,7 +3141,7 @@
         </p:nvGrpSpPr>
         <p:grpSpPr>
           <a:xfrm>
-            <a:off x="147971" y="938979"/>
+            <a:off x="326842" y="966199"/>
             <a:ext cx="3558606" cy="234759"/>
             <a:chOff x="147971" y="938979"/>
             <a:chExt cx="3558606" cy="234759"/>
